--- a/DATASCIENCE_PHASE 1.pptx
+++ b/DATASCIENCE_PHASE 1.pptx
@@ -116,7 +116,7 @@
   </p:defaultTextStyle>
   <p:extLst>
     <p:ext uri="{EFAFB233-063F-42B5-8137-9DF3F51BA10A}">
-      <p15:sldGuideLst xmlns:p15="http://schemas.microsoft.com/office/powerpoint/2012/main"/>
+      <p15:sldGuideLst xmlns:p15="http://schemas.microsoft.com/office/powerpoint/2012/main" xmlns=""/>
     </p:ext>
   </p:extLst>
 </p:presentation>
@@ -204,7 +204,8 @@
           <a:p>
             <a:fld id="{835DD8AD-234F-45B0-B5E0-1A074E0DF7E7}" type="datetimeFigureOut">
               <a:rPr lang="en-IN" smtClean="0"/>
-              <a:t>27-09-2023</a:t>
+              <a:pPr/>
+              <a:t>05-10-2023</a:t>
             </a:fld>
             <a:endParaRPr lang="en-IN"/>
           </a:p>
@@ -363,6 +364,7 @@
           <a:p>
             <a:fld id="{79D876EF-B6A6-4748-9B35-7089D6E9B893}" type="slidenum">
               <a:rPr lang="en-IN" smtClean="0"/>
+              <a:pPr/>
               <a:t>‹#›</a:t>
             </a:fld>
             <a:endParaRPr lang="en-IN"/>
@@ -372,7 +374,7 @@
     </p:spTree>
     <p:extLst>
       <p:ext uri="{BB962C8B-B14F-4D97-AF65-F5344CB8AC3E}">
-        <p14:creationId xmlns:p14="http://schemas.microsoft.com/office/powerpoint/2010/main" val="2059908775"/>
+        <p14:creationId xmlns:p14="http://schemas.microsoft.com/office/powerpoint/2010/main" xmlns="" val="2059908775"/>
       </p:ext>
     </p:extLst>
   </p:cSld>
@@ -494,7 +496,7 @@
           <p:cNvPr id="2" name="Title 1">
             <a:extLst>
               <a:ext uri="{FF2B5EF4-FFF2-40B4-BE49-F238E27FC236}">
-                <a16:creationId xmlns:a16="http://schemas.microsoft.com/office/drawing/2014/main" id="{94261564-0FA9-46BF-B721-CBA1A74CF8B2}"/>
+                <a16:creationId xmlns:a16="http://schemas.microsoft.com/office/drawing/2014/main" xmlns="" id="{94261564-0FA9-46BF-B721-CBA1A74CF8B2}"/>
               </a:ext>
             </a:extLst>
           </p:cNvPr>
@@ -532,7 +534,7 @@
           <p:cNvPr id="3" name="Subtitle 2">
             <a:extLst>
               <a:ext uri="{FF2B5EF4-FFF2-40B4-BE49-F238E27FC236}">
-                <a16:creationId xmlns:a16="http://schemas.microsoft.com/office/drawing/2014/main" id="{67CCB999-348F-473F-8F71-334FBEA9B90F}"/>
+                <a16:creationId xmlns:a16="http://schemas.microsoft.com/office/drawing/2014/main" xmlns="" id="{67CCB999-348F-473F-8F71-334FBEA9B90F}"/>
               </a:ext>
             </a:extLst>
           </p:cNvPr>
@@ -603,7 +605,7 @@
           <p:cNvPr id="4" name="Date Placeholder 3">
             <a:extLst>
               <a:ext uri="{FF2B5EF4-FFF2-40B4-BE49-F238E27FC236}">
-                <a16:creationId xmlns:a16="http://schemas.microsoft.com/office/drawing/2014/main" id="{0F70A1A6-AA8C-4A4C-AAB1-955BEB909592}"/>
+                <a16:creationId xmlns:a16="http://schemas.microsoft.com/office/drawing/2014/main" xmlns="" id="{0F70A1A6-AA8C-4A4C-AAB1-955BEB909592}"/>
               </a:ext>
             </a:extLst>
           </p:cNvPr>
@@ -621,7 +623,8 @@
           <a:p>
             <a:fld id="{B5F1C780-EFC0-4C9F-9B31-E3413400BA1F}" type="datetime1">
               <a:rPr lang="en-IN" smtClean="0"/>
-              <a:t>27-09-2023</a:t>
+              <a:pPr/>
+              <a:t>05-10-2023</a:t>
             </a:fld>
             <a:endParaRPr lang="en-IN"/>
           </a:p>
@@ -632,7 +635,7 @@
           <p:cNvPr id="5" name="Footer Placeholder 4">
             <a:extLst>
               <a:ext uri="{FF2B5EF4-FFF2-40B4-BE49-F238E27FC236}">
-                <a16:creationId xmlns:a16="http://schemas.microsoft.com/office/drawing/2014/main" id="{58022EF8-E9D7-4D12-B6EC-BCCFFD42C6CB}"/>
+                <a16:creationId xmlns:a16="http://schemas.microsoft.com/office/drawing/2014/main" xmlns="" id="{58022EF8-E9D7-4D12-B6EC-BCCFFD42C6CB}"/>
               </a:ext>
             </a:extLst>
           </p:cNvPr>
@@ -657,7 +660,7 @@
           <p:cNvPr id="6" name="Slide Number Placeholder 5">
             <a:extLst>
               <a:ext uri="{FF2B5EF4-FFF2-40B4-BE49-F238E27FC236}">
-                <a16:creationId xmlns:a16="http://schemas.microsoft.com/office/drawing/2014/main" id="{F4984227-821C-4E45-AF02-750366111E24}"/>
+                <a16:creationId xmlns:a16="http://schemas.microsoft.com/office/drawing/2014/main" xmlns="" id="{F4984227-821C-4E45-AF02-750366111E24}"/>
               </a:ext>
             </a:extLst>
           </p:cNvPr>
@@ -675,6 +678,7 @@
           <a:p>
             <a:fld id="{7798F18D-A7FB-41B0-99A7-08637791FA9E}" type="slidenum">
               <a:rPr lang="en-IN" smtClean="0"/>
+              <a:pPr/>
               <a:t>‹#›</a:t>
             </a:fld>
             <a:endParaRPr lang="en-IN"/>
@@ -684,7 +688,7 @@
     </p:spTree>
     <p:extLst>
       <p:ext uri="{BB962C8B-B14F-4D97-AF65-F5344CB8AC3E}">
-        <p14:creationId xmlns:p14="http://schemas.microsoft.com/office/powerpoint/2010/main" val="1893188324"/>
+        <p14:creationId xmlns:p14="http://schemas.microsoft.com/office/powerpoint/2010/main" xmlns="" val="1893188324"/>
       </p:ext>
     </p:extLst>
   </p:cSld>
@@ -716,7 +720,7 @@
           <p:cNvPr id="2" name="Title 1">
             <a:extLst>
               <a:ext uri="{FF2B5EF4-FFF2-40B4-BE49-F238E27FC236}">
-                <a16:creationId xmlns:a16="http://schemas.microsoft.com/office/drawing/2014/main" id="{29F3A61D-5191-4F37-B02F-A875144A0408}"/>
+                <a16:creationId xmlns:a16="http://schemas.microsoft.com/office/drawing/2014/main" xmlns="" id="{29F3A61D-5191-4F37-B02F-A875144A0408}"/>
               </a:ext>
             </a:extLst>
           </p:cNvPr>
@@ -745,7 +749,7 @@
           <p:cNvPr id="3" name="Vertical Text Placeholder 2">
             <a:extLst>
               <a:ext uri="{FF2B5EF4-FFF2-40B4-BE49-F238E27FC236}">
-                <a16:creationId xmlns:a16="http://schemas.microsoft.com/office/drawing/2014/main" id="{41404DE2-33B6-405F-B57D-F9E270AC3191}"/>
+                <a16:creationId xmlns:a16="http://schemas.microsoft.com/office/drawing/2014/main" xmlns="" id="{41404DE2-33B6-405F-B57D-F9E270AC3191}"/>
               </a:ext>
             </a:extLst>
           </p:cNvPr>
@@ -803,7 +807,7 @@
           <p:cNvPr id="4" name="Date Placeholder 3">
             <a:extLst>
               <a:ext uri="{FF2B5EF4-FFF2-40B4-BE49-F238E27FC236}">
-                <a16:creationId xmlns:a16="http://schemas.microsoft.com/office/drawing/2014/main" id="{F6674BE0-C42B-4834-A41C-88DC27EE7FCE}"/>
+                <a16:creationId xmlns:a16="http://schemas.microsoft.com/office/drawing/2014/main" xmlns="" id="{F6674BE0-C42B-4834-A41C-88DC27EE7FCE}"/>
               </a:ext>
             </a:extLst>
           </p:cNvPr>
@@ -821,7 +825,8 @@
           <a:p>
             <a:fld id="{A23B55B1-F2E2-4EF5-AB9E-49024FAA296B}" type="datetime1">
               <a:rPr lang="en-IN" smtClean="0"/>
-              <a:t>27-09-2023</a:t>
+              <a:pPr/>
+              <a:t>05-10-2023</a:t>
             </a:fld>
             <a:endParaRPr lang="en-IN"/>
           </a:p>
@@ -832,7 +837,7 @@
           <p:cNvPr id="5" name="Footer Placeholder 4">
             <a:extLst>
               <a:ext uri="{FF2B5EF4-FFF2-40B4-BE49-F238E27FC236}">
-                <a16:creationId xmlns:a16="http://schemas.microsoft.com/office/drawing/2014/main" id="{2156F77F-60A9-410C-B9D1-D087F4AABE95}"/>
+                <a16:creationId xmlns:a16="http://schemas.microsoft.com/office/drawing/2014/main" xmlns="" id="{2156F77F-60A9-410C-B9D1-D087F4AABE95}"/>
               </a:ext>
             </a:extLst>
           </p:cNvPr>
@@ -857,7 +862,7 @@
           <p:cNvPr id="6" name="Slide Number Placeholder 5">
             <a:extLst>
               <a:ext uri="{FF2B5EF4-FFF2-40B4-BE49-F238E27FC236}">
-                <a16:creationId xmlns:a16="http://schemas.microsoft.com/office/drawing/2014/main" id="{8D0B1632-7DC1-496D-9953-6DFD618691BA}"/>
+                <a16:creationId xmlns:a16="http://schemas.microsoft.com/office/drawing/2014/main" xmlns="" id="{8D0B1632-7DC1-496D-9953-6DFD618691BA}"/>
               </a:ext>
             </a:extLst>
           </p:cNvPr>
@@ -875,6 +880,7 @@
           <a:p>
             <a:fld id="{7798F18D-A7FB-41B0-99A7-08637791FA9E}" type="slidenum">
               <a:rPr lang="en-IN" smtClean="0"/>
+              <a:pPr/>
               <a:t>‹#›</a:t>
             </a:fld>
             <a:endParaRPr lang="en-IN"/>
@@ -884,7 +890,7 @@
     </p:spTree>
     <p:extLst>
       <p:ext uri="{BB962C8B-B14F-4D97-AF65-F5344CB8AC3E}">
-        <p14:creationId xmlns:p14="http://schemas.microsoft.com/office/powerpoint/2010/main" val="4007491044"/>
+        <p14:creationId xmlns:p14="http://schemas.microsoft.com/office/powerpoint/2010/main" xmlns="" val="4007491044"/>
       </p:ext>
     </p:extLst>
   </p:cSld>
@@ -916,7 +922,7 @@
           <p:cNvPr id="2" name="Vertical Title 1">
             <a:extLst>
               <a:ext uri="{FF2B5EF4-FFF2-40B4-BE49-F238E27FC236}">
-                <a16:creationId xmlns:a16="http://schemas.microsoft.com/office/drawing/2014/main" id="{99454FF3-F125-416B-87CB-DD2C1C0A5B45}"/>
+                <a16:creationId xmlns:a16="http://schemas.microsoft.com/office/drawing/2014/main" xmlns="" id="{99454FF3-F125-416B-87CB-DD2C1C0A5B45}"/>
               </a:ext>
             </a:extLst>
           </p:cNvPr>
@@ -950,7 +956,7 @@
           <p:cNvPr id="3" name="Vertical Text Placeholder 2">
             <a:extLst>
               <a:ext uri="{FF2B5EF4-FFF2-40B4-BE49-F238E27FC236}">
-                <a16:creationId xmlns:a16="http://schemas.microsoft.com/office/drawing/2014/main" id="{9236EA18-3CF9-44DD-B79D-4EC9015CC7DE}"/>
+                <a16:creationId xmlns:a16="http://schemas.microsoft.com/office/drawing/2014/main" xmlns="" id="{9236EA18-3CF9-44DD-B79D-4EC9015CC7DE}"/>
               </a:ext>
             </a:extLst>
           </p:cNvPr>
@@ -1013,7 +1019,7 @@
           <p:cNvPr id="4" name="Date Placeholder 3">
             <a:extLst>
               <a:ext uri="{FF2B5EF4-FFF2-40B4-BE49-F238E27FC236}">
-                <a16:creationId xmlns:a16="http://schemas.microsoft.com/office/drawing/2014/main" id="{EA3BB919-06AC-4446-9B25-D372892A473A}"/>
+                <a16:creationId xmlns:a16="http://schemas.microsoft.com/office/drawing/2014/main" xmlns="" id="{EA3BB919-06AC-4446-9B25-D372892A473A}"/>
               </a:ext>
             </a:extLst>
           </p:cNvPr>
@@ -1031,7 +1037,8 @@
           <a:p>
             <a:fld id="{826FFDE4-E1A4-4457-9BB0-BF6CF2C63D26}" type="datetime1">
               <a:rPr lang="en-IN" smtClean="0"/>
-              <a:t>27-09-2023</a:t>
+              <a:pPr/>
+              <a:t>05-10-2023</a:t>
             </a:fld>
             <a:endParaRPr lang="en-IN"/>
           </a:p>
@@ -1042,7 +1049,7 @@
           <p:cNvPr id="5" name="Footer Placeholder 4">
             <a:extLst>
               <a:ext uri="{FF2B5EF4-FFF2-40B4-BE49-F238E27FC236}">
-                <a16:creationId xmlns:a16="http://schemas.microsoft.com/office/drawing/2014/main" id="{075A43E7-6571-47E3-BB74-4467A5F5C239}"/>
+                <a16:creationId xmlns:a16="http://schemas.microsoft.com/office/drawing/2014/main" xmlns="" id="{075A43E7-6571-47E3-BB74-4467A5F5C239}"/>
               </a:ext>
             </a:extLst>
           </p:cNvPr>
@@ -1067,7 +1074,7 @@
           <p:cNvPr id="6" name="Slide Number Placeholder 5">
             <a:extLst>
               <a:ext uri="{FF2B5EF4-FFF2-40B4-BE49-F238E27FC236}">
-                <a16:creationId xmlns:a16="http://schemas.microsoft.com/office/drawing/2014/main" id="{4AE2197C-B580-43E5-A147-9F4BE854DA5E}"/>
+                <a16:creationId xmlns:a16="http://schemas.microsoft.com/office/drawing/2014/main" xmlns="" id="{4AE2197C-B580-43E5-A147-9F4BE854DA5E}"/>
               </a:ext>
             </a:extLst>
           </p:cNvPr>
@@ -1085,6 +1092,7 @@
           <a:p>
             <a:fld id="{7798F18D-A7FB-41B0-99A7-08637791FA9E}" type="slidenum">
               <a:rPr lang="en-IN" smtClean="0"/>
+              <a:pPr/>
               <a:t>‹#›</a:t>
             </a:fld>
             <a:endParaRPr lang="en-IN"/>
@@ -1094,7 +1102,7 @@
     </p:spTree>
     <p:extLst>
       <p:ext uri="{BB962C8B-B14F-4D97-AF65-F5344CB8AC3E}">
-        <p14:creationId xmlns:p14="http://schemas.microsoft.com/office/powerpoint/2010/main" val="177660510"/>
+        <p14:creationId xmlns:p14="http://schemas.microsoft.com/office/powerpoint/2010/main" xmlns="" val="177660510"/>
       </p:ext>
     </p:extLst>
   </p:cSld>
@@ -1126,7 +1134,7 @@
           <p:cNvPr id="2" name="Title 1">
             <a:extLst>
               <a:ext uri="{FF2B5EF4-FFF2-40B4-BE49-F238E27FC236}">
-                <a16:creationId xmlns:a16="http://schemas.microsoft.com/office/drawing/2014/main" id="{182C5144-48FD-46E3-9BDB-4D9184A9DB13}"/>
+                <a16:creationId xmlns:a16="http://schemas.microsoft.com/office/drawing/2014/main" xmlns="" id="{182C5144-48FD-46E3-9BDB-4D9184A9DB13}"/>
               </a:ext>
             </a:extLst>
           </p:cNvPr>
@@ -1172,7 +1180,7 @@
           <p:cNvPr id="3" name="Content Placeholder 2">
             <a:extLst>
               <a:ext uri="{FF2B5EF4-FFF2-40B4-BE49-F238E27FC236}">
-                <a16:creationId xmlns:a16="http://schemas.microsoft.com/office/drawing/2014/main" id="{D5986C1B-FC55-46AD-A27D-D912B976A119}"/>
+                <a16:creationId xmlns:a16="http://schemas.microsoft.com/office/drawing/2014/main" xmlns="" id="{D5986C1B-FC55-46AD-A27D-D912B976A119}"/>
               </a:ext>
             </a:extLst>
           </p:cNvPr>
@@ -1261,7 +1269,7 @@
           <p:cNvPr id="4" name="Date Placeholder 3">
             <a:extLst>
               <a:ext uri="{FF2B5EF4-FFF2-40B4-BE49-F238E27FC236}">
-                <a16:creationId xmlns:a16="http://schemas.microsoft.com/office/drawing/2014/main" id="{20998EA0-8B73-4A38-A9C2-CB243999EF78}"/>
+                <a16:creationId xmlns:a16="http://schemas.microsoft.com/office/drawing/2014/main" xmlns="" id="{20998EA0-8B73-4A38-A9C2-CB243999EF78}"/>
               </a:ext>
             </a:extLst>
           </p:cNvPr>
@@ -1279,7 +1287,8 @@
           <a:p>
             <a:fld id="{5EB8527E-B6D3-417F-9A18-C2A23F6ABC13}" type="datetime1">
               <a:rPr lang="en-IN" smtClean="0"/>
-              <a:t>27-09-2023</a:t>
+              <a:pPr/>
+              <a:t>05-10-2023</a:t>
             </a:fld>
             <a:endParaRPr lang="en-IN"/>
           </a:p>
@@ -1290,7 +1299,7 @@
           <p:cNvPr id="5" name="Footer Placeholder 4">
             <a:extLst>
               <a:ext uri="{FF2B5EF4-FFF2-40B4-BE49-F238E27FC236}">
-                <a16:creationId xmlns:a16="http://schemas.microsoft.com/office/drawing/2014/main" id="{9A4FDB7C-DD5C-4BF8-847D-099F2BF2B791}"/>
+                <a16:creationId xmlns:a16="http://schemas.microsoft.com/office/drawing/2014/main" xmlns="" id="{9A4FDB7C-DD5C-4BF8-847D-099F2BF2B791}"/>
               </a:ext>
             </a:extLst>
           </p:cNvPr>
@@ -1315,7 +1324,7 @@
           <p:cNvPr id="8" name="Straight Connector 7">
             <a:extLst>
               <a:ext uri="{FF2B5EF4-FFF2-40B4-BE49-F238E27FC236}">
-                <a16:creationId xmlns:a16="http://schemas.microsoft.com/office/drawing/2014/main" id="{665FC1F6-636B-46D2-AE0B-66C5102E5725}"/>
+                <a16:creationId xmlns:a16="http://schemas.microsoft.com/office/drawing/2014/main" xmlns="" id="{665FC1F6-636B-46D2-AE0B-66C5102E5725}"/>
               </a:ext>
             </a:extLst>
           </p:cNvPr>
@@ -1352,7 +1361,7 @@
           <p:cNvPr id="9" name="Straight Connector 8">
             <a:extLst>
               <a:ext uri="{FF2B5EF4-FFF2-40B4-BE49-F238E27FC236}">
-                <a16:creationId xmlns:a16="http://schemas.microsoft.com/office/drawing/2014/main" id="{B904F858-A547-4553-AEDD-95A8DCA4D3A2}"/>
+                <a16:creationId xmlns:a16="http://schemas.microsoft.com/office/drawing/2014/main" xmlns="" id="{B904F858-A547-4553-AEDD-95A8DCA4D3A2}"/>
               </a:ext>
             </a:extLst>
           </p:cNvPr>
@@ -1391,7 +1400,7 @@
           <p:cNvPr id="11" name="Straight Connector 10">
             <a:extLst>
               <a:ext uri="{FF2B5EF4-FFF2-40B4-BE49-F238E27FC236}">
-                <a16:creationId xmlns:a16="http://schemas.microsoft.com/office/drawing/2014/main" id="{839031EA-6EFB-4A42-9743-8BD4239BCCF9}"/>
+                <a16:creationId xmlns:a16="http://schemas.microsoft.com/office/drawing/2014/main" xmlns="" id="{839031EA-6EFB-4A42-9743-8BD4239BCCF9}"/>
               </a:ext>
             </a:extLst>
           </p:cNvPr>
@@ -1428,7 +1437,7 @@
           <p:cNvPr id="12" name="Straight Connector 11">
             <a:extLst>
               <a:ext uri="{FF2B5EF4-FFF2-40B4-BE49-F238E27FC236}">
-                <a16:creationId xmlns:a16="http://schemas.microsoft.com/office/drawing/2014/main" id="{1AA81689-9577-4BB9-A59C-FC1EAA953267}"/>
+                <a16:creationId xmlns:a16="http://schemas.microsoft.com/office/drawing/2014/main" xmlns="" id="{1AA81689-9577-4BB9-A59C-FC1EAA953267}"/>
               </a:ext>
             </a:extLst>
           </p:cNvPr>
@@ -1467,7 +1476,7 @@
           <p:cNvPr id="13" name="Oval 12">
             <a:extLst>
               <a:ext uri="{FF2B5EF4-FFF2-40B4-BE49-F238E27FC236}">
-                <a16:creationId xmlns:a16="http://schemas.microsoft.com/office/drawing/2014/main" id="{3BE791DB-152B-442F-8634-B16670688B8B}"/>
+                <a16:creationId xmlns:a16="http://schemas.microsoft.com/office/drawing/2014/main" xmlns="" id="{3BE791DB-152B-442F-8634-B16670688B8B}"/>
               </a:ext>
             </a:extLst>
           </p:cNvPr>
@@ -1513,7 +1522,7 @@
           <p:cNvPr id="6" name="Slide Number Placeholder 5">
             <a:extLst>
               <a:ext uri="{FF2B5EF4-FFF2-40B4-BE49-F238E27FC236}">
-                <a16:creationId xmlns:a16="http://schemas.microsoft.com/office/drawing/2014/main" id="{87F3800B-C1F8-4DB7-9CCA-E0FF05A67620}"/>
+                <a16:creationId xmlns:a16="http://schemas.microsoft.com/office/drawing/2014/main" xmlns="" id="{87F3800B-C1F8-4DB7-9CCA-E0FF05A67620}"/>
               </a:ext>
             </a:extLst>
           </p:cNvPr>
@@ -1556,7 +1565,7 @@
     </p:spTree>
     <p:extLst>
       <p:ext uri="{BB962C8B-B14F-4D97-AF65-F5344CB8AC3E}">
-        <p14:creationId xmlns:p14="http://schemas.microsoft.com/office/powerpoint/2010/main" val="217451184"/>
+        <p14:creationId xmlns:p14="http://schemas.microsoft.com/office/powerpoint/2010/main" xmlns="" val="217451184"/>
       </p:ext>
     </p:extLst>
   </p:cSld>
@@ -1588,7 +1597,7 @@
           <p:cNvPr id="2" name="Title 1">
             <a:extLst>
               <a:ext uri="{FF2B5EF4-FFF2-40B4-BE49-F238E27FC236}">
-                <a16:creationId xmlns:a16="http://schemas.microsoft.com/office/drawing/2014/main" id="{5365591D-743D-4E85-8B43-6FB84EB601A2}"/>
+                <a16:creationId xmlns:a16="http://schemas.microsoft.com/office/drawing/2014/main" xmlns="" id="{5365591D-743D-4E85-8B43-6FB84EB601A2}"/>
               </a:ext>
             </a:extLst>
           </p:cNvPr>
@@ -1626,7 +1635,7 @@
           <p:cNvPr id="3" name="Text Placeholder 2">
             <a:extLst>
               <a:ext uri="{FF2B5EF4-FFF2-40B4-BE49-F238E27FC236}">
-                <a16:creationId xmlns:a16="http://schemas.microsoft.com/office/drawing/2014/main" id="{847CCAC7-BA6A-4A37-A3BB-49E0777C0F76}"/>
+                <a16:creationId xmlns:a16="http://schemas.microsoft.com/office/drawing/2014/main" xmlns="" id="{847CCAC7-BA6A-4A37-A3BB-49E0777C0F76}"/>
               </a:ext>
             </a:extLst>
           </p:cNvPr>
@@ -1751,7 +1760,7 @@
           <p:cNvPr id="4" name="Date Placeholder 3">
             <a:extLst>
               <a:ext uri="{FF2B5EF4-FFF2-40B4-BE49-F238E27FC236}">
-                <a16:creationId xmlns:a16="http://schemas.microsoft.com/office/drawing/2014/main" id="{18BB960D-DA5C-4B0E-950A-36218285044D}"/>
+                <a16:creationId xmlns:a16="http://schemas.microsoft.com/office/drawing/2014/main" xmlns="" id="{18BB960D-DA5C-4B0E-950A-36218285044D}"/>
               </a:ext>
             </a:extLst>
           </p:cNvPr>
@@ -1769,7 +1778,8 @@
           <a:p>
             <a:fld id="{E8CE05CF-C3D3-4DE5-BCCE-0748584A93B0}" type="datetime1">
               <a:rPr lang="en-IN" smtClean="0"/>
-              <a:t>27-09-2023</a:t>
+              <a:pPr/>
+              <a:t>05-10-2023</a:t>
             </a:fld>
             <a:endParaRPr lang="en-IN"/>
           </a:p>
@@ -1780,7 +1790,7 @@
           <p:cNvPr id="5" name="Footer Placeholder 4">
             <a:extLst>
               <a:ext uri="{FF2B5EF4-FFF2-40B4-BE49-F238E27FC236}">
-                <a16:creationId xmlns:a16="http://schemas.microsoft.com/office/drawing/2014/main" id="{6558535F-0A1B-47FE-A2DD-9D51EAB25B72}"/>
+                <a16:creationId xmlns:a16="http://schemas.microsoft.com/office/drawing/2014/main" xmlns="" id="{6558535F-0A1B-47FE-A2DD-9D51EAB25B72}"/>
               </a:ext>
             </a:extLst>
           </p:cNvPr>
@@ -1805,7 +1815,7 @@
           <p:cNvPr id="6" name="Slide Number Placeholder 5">
             <a:extLst>
               <a:ext uri="{FF2B5EF4-FFF2-40B4-BE49-F238E27FC236}">
-                <a16:creationId xmlns:a16="http://schemas.microsoft.com/office/drawing/2014/main" id="{0F75ED3F-A228-4B0B-9EC0-D6EC3CF9F23E}"/>
+                <a16:creationId xmlns:a16="http://schemas.microsoft.com/office/drawing/2014/main" xmlns="" id="{0F75ED3F-A228-4B0B-9EC0-D6EC3CF9F23E}"/>
               </a:ext>
             </a:extLst>
           </p:cNvPr>
@@ -1823,6 +1833,7 @@
           <a:p>
             <a:fld id="{7798F18D-A7FB-41B0-99A7-08637791FA9E}" type="slidenum">
               <a:rPr lang="en-IN" smtClean="0"/>
+              <a:pPr/>
               <a:t>‹#›</a:t>
             </a:fld>
             <a:endParaRPr lang="en-IN"/>
@@ -1832,7 +1843,7 @@
     </p:spTree>
     <p:extLst>
       <p:ext uri="{BB962C8B-B14F-4D97-AF65-F5344CB8AC3E}">
-        <p14:creationId xmlns:p14="http://schemas.microsoft.com/office/powerpoint/2010/main" val="343641360"/>
+        <p14:creationId xmlns:p14="http://schemas.microsoft.com/office/powerpoint/2010/main" xmlns="" val="343641360"/>
       </p:ext>
     </p:extLst>
   </p:cSld>
@@ -1864,7 +1875,7 @@
           <p:cNvPr id="2" name="Title 1">
             <a:extLst>
               <a:ext uri="{FF2B5EF4-FFF2-40B4-BE49-F238E27FC236}">
-                <a16:creationId xmlns:a16="http://schemas.microsoft.com/office/drawing/2014/main" id="{858BB840-B309-448E-A819-22FC041C8CCB}"/>
+                <a16:creationId xmlns:a16="http://schemas.microsoft.com/office/drawing/2014/main" xmlns="" id="{858BB840-B309-448E-A819-22FC041C8CCB}"/>
               </a:ext>
             </a:extLst>
           </p:cNvPr>
@@ -1893,7 +1904,7 @@
           <p:cNvPr id="3" name="Content Placeholder 2">
             <a:extLst>
               <a:ext uri="{FF2B5EF4-FFF2-40B4-BE49-F238E27FC236}">
-                <a16:creationId xmlns:a16="http://schemas.microsoft.com/office/drawing/2014/main" id="{E46B704F-22D7-40F1-8BA3-EDF9DFF73DE3}"/>
+                <a16:creationId xmlns:a16="http://schemas.microsoft.com/office/drawing/2014/main" xmlns="" id="{E46B704F-22D7-40F1-8BA3-EDF9DFF73DE3}"/>
               </a:ext>
             </a:extLst>
           </p:cNvPr>
@@ -1956,7 +1967,7 @@
           <p:cNvPr id="4" name="Content Placeholder 3">
             <a:extLst>
               <a:ext uri="{FF2B5EF4-FFF2-40B4-BE49-F238E27FC236}">
-                <a16:creationId xmlns:a16="http://schemas.microsoft.com/office/drawing/2014/main" id="{52CEA8A3-CAEF-4328-9DAC-35B50B0FB143}"/>
+                <a16:creationId xmlns:a16="http://schemas.microsoft.com/office/drawing/2014/main" xmlns="" id="{52CEA8A3-CAEF-4328-9DAC-35B50B0FB143}"/>
               </a:ext>
             </a:extLst>
           </p:cNvPr>
@@ -2019,7 +2030,7 @@
           <p:cNvPr id="5" name="Date Placeholder 4">
             <a:extLst>
               <a:ext uri="{FF2B5EF4-FFF2-40B4-BE49-F238E27FC236}">
-                <a16:creationId xmlns:a16="http://schemas.microsoft.com/office/drawing/2014/main" id="{901BF420-0798-4AA7-B918-04C97ED98BA7}"/>
+                <a16:creationId xmlns:a16="http://schemas.microsoft.com/office/drawing/2014/main" xmlns="" id="{901BF420-0798-4AA7-B918-04C97ED98BA7}"/>
               </a:ext>
             </a:extLst>
           </p:cNvPr>
@@ -2037,7 +2048,8 @@
           <a:p>
             <a:fld id="{6D820D1E-42B0-49BB-8CF0-ED41DA2306A3}" type="datetime1">
               <a:rPr lang="en-IN" smtClean="0"/>
-              <a:t>27-09-2023</a:t>
+              <a:pPr/>
+              <a:t>05-10-2023</a:t>
             </a:fld>
             <a:endParaRPr lang="en-IN"/>
           </a:p>
@@ -2048,7 +2060,7 @@
           <p:cNvPr id="6" name="Footer Placeholder 5">
             <a:extLst>
               <a:ext uri="{FF2B5EF4-FFF2-40B4-BE49-F238E27FC236}">
-                <a16:creationId xmlns:a16="http://schemas.microsoft.com/office/drawing/2014/main" id="{3A9C0019-75E4-4ADF-A6C9-D47C2FE5CB9D}"/>
+                <a16:creationId xmlns:a16="http://schemas.microsoft.com/office/drawing/2014/main" xmlns="" id="{3A9C0019-75E4-4ADF-A6C9-D47C2FE5CB9D}"/>
               </a:ext>
             </a:extLst>
           </p:cNvPr>
@@ -2073,7 +2085,7 @@
           <p:cNvPr id="7" name="Slide Number Placeholder 6">
             <a:extLst>
               <a:ext uri="{FF2B5EF4-FFF2-40B4-BE49-F238E27FC236}">
-                <a16:creationId xmlns:a16="http://schemas.microsoft.com/office/drawing/2014/main" id="{E65C7F9D-9368-4AD4-B810-AE71BC3405CC}"/>
+                <a16:creationId xmlns:a16="http://schemas.microsoft.com/office/drawing/2014/main" xmlns="" id="{E65C7F9D-9368-4AD4-B810-AE71BC3405CC}"/>
               </a:ext>
             </a:extLst>
           </p:cNvPr>
@@ -2091,6 +2103,7 @@
           <a:p>
             <a:fld id="{7798F18D-A7FB-41B0-99A7-08637791FA9E}" type="slidenum">
               <a:rPr lang="en-IN" smtClean="0"/>
+              <a:pPr/>
               <a:t>‹#›</a:t>
             </a:fld>
             <a:endParaRPr lang="en-IN"/>
@@ -2100,7 +2113,7 @@
     </p:spTree>
     <p:extLst>
       <p:ext uri="{BB962C8B-B14F-4D97-AF65-F5344CB8AC3E}">
-        <p14:creationId xmlns:p14="http://schemas.microsoft.com/office/powerpoint/2010/main" val="1024637124"/>
+        <p14:creationId xmlns:p14="http://schemas.microsoft.com/office/powerpoint/2010/main" xmlns="" val="1024637124"/>
       </p:ext>
     </p:extLst>
   </p:cSld>
@@ -2132,7 +2145,7 @@
           <p:cNvPr id="2" name="Title 1">
             <a:extLst>
               <a:ext uri="{FF2B5EF4-FFF2-40B4-BE49-F238E27FC236}">
-                <a16:creationId xmlns:a16="http://schemas.microsoft.com/office/drawing/2014/main" id="{D9D45B2E-94BE-4932-9BE2-4FD00434E942}"/>
+                <a16:creationId xmlns:a16="http://schemas.microsoft.com/office/drawing/2014/main" xmlns="" id="{D9D45B2E-94BE-4932-9BE2-4FD00434E942}"/>
               </a:ext>
             </a:extLst>
           </p:cNvPr>
@@ -2166,7 +2179,7 @@
           <p:cNvPr id="3" name="Text Placeholder 2">
             <a:extLst>
               <a:ext uri="{FF2B5EF4-FFF2-40B4-BE49-F238E27FC236}">
-                <a16:creationId xmlns:a16="http://schemas.microsoft.com/office/drawing/2014/main" id="{84369D80-D2F3-45CF-86F7-8BD0CC503128}"/>
+                <a16:creationId xmlns:a16="http://schemas.microsoft.com/office/drawing/2014/main" xmlns="" id="{84369D80-D2F3-45CF-86F7-8BD0CC503128}"/>
               </a:ext>
             </a:extLst>
           </p:cNvPr>
@@ -2237,7 +2250,7 @@
           <p:cNvPr id="4" name="Content Placeholder 3">
             <a:extLst>
               <a:ext uri="{FF2B5EF4-FFF2-40B4-BE49-F238E27FC236}">
-                <a16:creationId xmlns:a16="http://schemas.microsoft.com/office/drawing/2014/main" id="{3D36EF18-C375-452E-A1E6-4CC8215B1C93}"/>
+                <a16:creationId xmlns:a16="http://schemas.microsoft.com/office/drawing/2014/main" xmlns="" id="{3D36EF18-C375-452E-A1E6-4CC8215B1C93}"/>
               </a:ext>
             </a:extLst>
           </p:cNvPr>
@@ -2300,7 +2313,7 @@
           <p:cNvPr id="5" name="Text Placeholder 4">
             <a:extLst>
               <a:ext uri="{FF2B5EF4-FFF2-40B4-BE49-F238E27FC236}">
-                <a16:creationId xmlns:a16="http://schemas.microsoft.com/office/drawing/2014/main" id="{ADB89584-24C1-4A99-A6F8-E20C687A527D}"/>
+                <a16:creationId xmlns:a16="http://schemas.microsoft.com/office/drawing/2014/main" xmlns="" id="{ADB89584-24C1-4A99-A6F8-E20C687A527D}"/>
               </a:ext>
             </a:extLst>
           </p:cNvPr>
@@ -2371,7 +2384,7 @@
           <p:cNvPr id="6" name="Content Placeholder 5">
             <a:extLst>
               <a:ext uri="{FF2B5EF4-FFF2-40B4-BE49-F238E27FC236}">
-                <a16:creationId xmlns:a16="http://schemas.microsoft.com/office/drawing/2014/main" id="{EF37CB35-A16D-4909-A523-FE3FBB416A60}"/>
+                <a16:creationId xmlns:a16="http://schemas.microsoft.com/office/drawing/2014/main" xmlns="" id="{EF37CB35-A16D-4909-A523-FE3FBB416A60}"/>
               </a:ext>
             </a:extLst>
           </p:cNvPr>
@@ -2434,7 +2447,7 @@
           <p:cNvPr id="7" name="Date Placeholder 6">
             <a:extLst>
               <a:ext uri="{FF2B5EF4-FFF2-40B4-BE49-F238E27FC236}">
-                <a16:creationId xmlns:a16="http://schemas.microsoft.com/office/drawing/2014/main" id="{B39F6257-4AE5-4893-95D2-1090011262A4}"/>
+                <a16:creationId xmlns:a16="http://schemas.microsoft.com/office/drawing/2014/main" xmlns="" id="{B39F6257-4AE5-4893-95D2-1090011262A4}"/>
               </a:ext>
             </a:extLst>
           </p:cNvPr>
@@ -2452,7 +2465,8 @@
           <a:p>
             <a:fld id="{57601C44-F210-4C52-9155-3358F89AF145}" type="datetime1">
               <a:rPr lang="en-IN" smtClean="0"/>
-              <a:t>27-09-2023</a:t>
+              <a:pPr/>
+              <a:t>05-10-2023</a:t>
             </a:fld>
             <a:endParaRPr lang="en-IN"/>
           </a:p>
@@ -2463,7 +2477,7 @@
           <p:cNvPr id="8" name="Footer Placeholder 7">
             <a:extLst>
               <a:ext uri="{FF2B5EF4-FFF2-40B4-BE49-F238E27FC236}">
-                <a16:creationId xmlns:a16="http://schemas.microsoft.com/office/drawing/2014/main" id="{129C7748-9D01-4E07-9C04-5C5E9E37D901}"/>
+                <a16:creationId xmlns:a16="http://schemas.microsoft.com/office/drawing/2014/main" xmlns="" id="{129C7748-9D01-4E07-9C04-5C5E9E37D901}"/>
               </a:ext>
             </a:extLst>
           </p:cNvPr>
@@ -2488,7 +2502,7 @@
           <p:cNvPr id="9" name="Slide Number Placeholder 8">
             <a:extLst>
               <a:ext uri="{FF2B5EF4-FFF2-40B4-BE49-F238E27FC236}">
-                <a16:creationId xmlns:a16="http://schemas.microsoft.com/office/drawing/2014/main" id="{92481EE2-26DB-449A-BF34-7B49ED77E7BD}"/>
+                <a16:creationId xmlns:a16="http://schemas.microsoft.com/office/drawing/2014/main" xmlns="" id="{92481EE2-26DB-449A-BF34-7B49ED77E7BD}"/>
               </a:ext>
             </a:extLst>
           </p:cNvPr>
@@ -2506,6 +2520,7 @@
           <a:p>
             <a:fld id="{7798F18D-A7FB-41B0-99A7-08637791FA9E}" type="slidenum">
               <a:rPr lang="en-IN" smtClean="0"/>
+              <a:pPr/>
               <a:t>‹#›</a:t>
             </a:fld>
             <a:endParaRPr lang="en-IN"/>
@@ -2515,7 +2530,7 @@
     </p:spTree>
     <p:extLst>
       <p:ext uri="{BB962C8B-B14F-4D97-AF65-F5344CB8AC3E}">
-        <p14:creationId xmlns:p14="http://schemas.microsoft.com/office/powerpoint/2010/main" val="2667648498"/>
+        <p14:creationId xmlns:p14="http://schemas.microsoft.com/office/powerpoint/2010/main" xmlns="" val="2667648498"/>
       </p:ext>
     </p:extLst>
   </p:cSld>
@@ -2547,7 +2562,7 @@
           <p:cNvPr id="2" name="Title 1">
             <a:extLst>
               <a:ext uri="{FF2B5EF4-FFF2-40B4-BE49-F238E27FC236}">
-                <a16:creationId xmlns:a16="http://schemas.microsoft.com/office/drawing/2014/main" id="{FF639A61-E0D7-4F81-8E44-78818D0A4D3F}"/>
+                <a16:creationId xmlns:a16="http://schemas.microsoft.com/office/drawing/2014/main" xmlns="" id="{FF639A61-E0D7-4F81-8E44-78818D0A4D3F}"/>
               </a:ext>
             </a:extLst>
           </p:cNvPr>
@@ -2576,7 +2591,7 @@
           <p:cNvPr id="3" name="Date Placeholder 2">
             <a:extLst>
               <a:ext uri="{FF2B5EF4-FFF2-40B4-BE49-F238E27FC236}">
-                <a16:creationId xmlns:a16="http://schemas.microsoft.com/office/drawing/2014/main" id="{86DCE9B3-5CA7-4FAB-9EDA-37A338803B42}"/>
+                <a16:creationId xmlns:a16="http://schemas.microsoft.com/office/drawing/2014/main" xmlns="" id="{86DCE9B3-5CA7-4FAB-9EDA-37A338803B42}"/>
               </a:ext>
             </a:extLst>
           </p:cNvPr>
@@ -2594,7 +2609,8 @@
           <a:p>
             <a:fld id="{F6D625E6-4E83-435B-89D3-1CFFE824C315}" type="datetime1">
               <a:rPr lang="en-IN" smtClean="0"/>
-              <a:t>27-09-2023</a:t>
+              <a:pPr/>
+              <a:t>05-10-2023</a:t>
             </a:fld>
             <a:endParaRPr lang="en-IN"/>
           </a:p>
@@ -2605,7 +2621,7 @@
           <p:cNvPr id="4" name="Footer Placeholder 3">
             <a:extLst>
               <a:ext uri="{FF2B5EF4-FFF2-40B4-BE49-F238E27FC236}">
-                <a16:creationId xmlns:a16="http://schemas.microsoft.com/office/drawing/2014/main" id="{0362EFB0-432E-4856-85DA-DD5EB2B0E04E}"/>
+                <a16:creationId xmlns:a16="http://schemas.microsoft.com/office/drawing/2014/main" xmlns="" id="{0362EFB0-432E-4856-85DA-DD5EB2B0E04E}"/>
               </a:ext>
             </a:extLst>
           </p:cNvPr>
@@ -2630,7 +2646,7 @@
           <p:cNvPr id="5" name="Slide Number Placeholder 4">
             <a:extLst>
               <a:ext uri="{FF2B5EF4-FFF2-40B4-BE49-F238E27FC236}">
-                <a16:creationId xmlns:a16="http://schemas.microsoft.com/office/drawing/2014/main" id="{25E15281-801F-451D-A533-1D2F4835C9FF}"/>
+                <a16:creationId xmlns:a16="http://schemas.microsoft.com/office/drawing/2014/main" xmlns="" id="{25E15281-801F-451D-A533-1D2F4835C9FF}"/>
               </a:ext>
             </a:extLst>
           </p:cNvPr>
@@ -2648,6 +2664,7 @@
           <a:p>
             <a:fld id="{7798F18D-A7FB-41B0-99A7-08637791FA9E}" type="slidenum">
               <a:rPr lang="en-IN" smtClean="0"/>
+              <a:pPr/>
               <a:t>‹#›</a:t>
             </a:fld>
             <a:endParaRPr lang="en-IN"/>
@@ -2657,7 +2674,7 @@
     </p:spTree>
     <p:extLst>
       <p:ext uri="{BB962C8B-B14F-4D97-AF65-F5344CB8AC3E}">
-        <p14:creationId xmlns:p14="http://schemas.microsoft.com/office/powerpoint/2010/main" val="1393120364"/>
+        <p14:creationId xmlns:p14="http://schemas.microsoft.com/office/powerpoint/2010/main" xmlns="" val="1393120364"/>
       </p:ext>
     </p:extLst>
   </p:cSld>
@@ -2689,7 +2706,7 @@
           <p:cNvPr id="2" name="Date Placeholder 1">
             <a:extLst>
               <a:ext uri="{FF2B5EF4-FFF2-40B4-BE49-F238E27FC236}">
-                <a16:creationId xmlns:a16="http://schemas.microsoft.com/office/drawing/2014/main" id="{3B884BD2-B5B4-4816-98D6-48907D662407}"/>
+                <a16:creationId xmlns:a16="http://schemas.microsoft.com/office/drawing/2014/main" xmlns="" id="{3B884BD2-B5B4-4816-98D6-48907D662407}"/>
               </a:ext>
             </a:extLst>
           </p:cNvPr>
@@ -2707,7 +2724,8 @@
           <a:p>
             <a:fld id="{63FD5D87-9BE3-48F4-AF45-8EB0EDD5A58D}" type="datetime1">
               <a:rPr lang="en-IN" smtClean="0"/>
-              <a:t>27-09-2023</a:t>
+              <a:pPr/>
+              <a:t>05-10-2023</a:t>
             </a:fld>
             <a:endParaRPr lang="en-IN"/>
           </a:p>
@@ -2718,7 +2736,7 @@
           <p:cNvPr id="3" name="Footer Placeholder 2">
             <a:extLst>
               <a:ext uri="{FF2B5EF4-FFF2-40B4-BE49-F238E27FC236}">
-                <a16:creationId xmlns:a16="http://schemas.microsoft.com/office/drawing/2014/main" id="{2F26188B-07B9-436B-90D1-8FED7A958A21}"/>
+                <a16:creationId xmlns:a16="http://schemas.microsoft.com/office/drawing/2014/main" xmlns="" id="{2F26188B-07B9-436B-90D1-8FED7A958A21}"/>
               </a:ext>
             </a:extLst>
           </p:cNvPr>
@@ -2743,7 +2761,7 @@
           <p:cNvPr id="4" name="Slide Number Placeholder 3">
             <a:extLst>
               <a:ext uri="{FF2B5EF4-FFF2-40B4-BE49-F238E27FC236}">
-                <a16:creationId xmlns:a16="http://schemas.microsoft.com/office/drawing/2014/main" id="{7D202D35-8CA6-4A63-BB21-664B6037843B}"/>
+                <a16:creationId xmlns:a16="http://schemas.microsoft.com/office/drawing/2014/main" xmlns="" id="{7D202D35-8CA6-4A63-BB21-664B6037843B}"/>
               </a:ext>
             </a:extLst>
           </p:cNvPr>
@@ -2761,6 +2779,7 @@
           <a:p>
             <a:fld id="{7798F18D-A7FB-41B0-99A7-08637791FA9E}" type="slidenum">
               <a:rPr lang="en-IN" smtClean="0"/>
+              <a:pPr/>
               <a:t>‹#›</a:t>
             </a:fld>
             <a:endParaRPr lang="en-IN"/>
@@ -2770,7 +2789,7 @@
     </p:spTree>
     <p:extLst>
       <p:ext uri="{BB962C8B-B14F-4D97-AF65-F5344CB8AC3E}">
-        <p14:creationId xmlns:p14="http://schemas.microsoft.com/office/powerpoint/2010/main" val="2157499785"/>
+        <p14:creationId xmlns:p14="http://schemas.microsoft.com/office/powerpoint/2010/main" xmlns="" val="2157499785"/>
       </p:ext>
     </p:extLst>
   </p:cSld>
@@ -2802,7 +2821,7 @@
           <p:cNvPr id="2" name="Title 1">
             <a:extLst>
               <a:ext uri="{FF2B5EF4-FFF2-40B4-BE49-F238E27FC236}">
-                <a16:creationId xmlns:a16="http://schemas.microsoft.com/office/drawing/2014/main" id="{E2DB8838-A798-4593-869C-AC06A8EAC738}"/>
+                <a16:creationId xmlns:a16="http://schemas.microsoft.com/office/drawing/2014/main" xmlns="" id="{E2DB8838-A798-4593-869C-AC06A8EAC738}"/>
               </a:ext>
             </a:extLst>
           </p:cNvPr>
@@ -2840,7 +2859,7 @@
           <p:cNvPr id="3" name="Content Placeholder 2">
             <a:extLst>
               <a:ext uri="{FF2B5EF4-FFF2-40B4-BE49-F238E27FC236}">
-                <a16:creationId xmlns:a16="http://schemas.microsoft.com/office/drawing/2014/main" id="{2AA50BF4-7691-47C2-95BF-1C86D60B1194}"/>
+                <a16:creationId xmlns:a16="http://schemas.microsoft.com/office/drawing/2014/main" xmlns="" id="{2AA50BF4-7691-47C2-95BF-1C86D60B1194}"/>
               </a:ext>
             </a:extLst>
           </p:cNvPr>
@@ -2931,7 +2950,7 @@
           <p:cNvPr id="4" name="Text Placeholder 3">
             <a:extLst>
               <a:ext uri="{FF2B5EF4-FFF2-40B4-BE49-F238E27FC236}">
-                <a16:creationId xmlns:a16="http://schemas.microsoft.com/office/drawing/2014/main" id="{7D782FEF-DEE0-44B1-ABD3-2218FFC178D4}"/>
+                <a16:creationId xmlns:a16="http://schemas.microsoft.com/office/drawing/2014/main" xmlns="" id="{7D782FEF-DEE0-44B1-ABD3-2218FFC178D4}"/>
               </a:ext>
             </a:extLst>
           </p:cNvPr>
@@ -3002,7 +3021,7 @@
           <p:cNvPr id="5" name="Date Placeholder 4">
             <a:extLst>
               <a:ext uri="{FF2B5EF4-FFF2-40B4-BE49-F238E27FC236}">
-                <a16:creationId xmlns:a16="http://schemas.microsoft.com/office/drawing/2014/main" id="{C63D2CD1-B492-47AB-9D99-CD95FFF99155}"/>
+                <a16:creationId xmlns:a16="http://schemas.microsoft.com/office/drawing/2014/main" xmlns="" id="{C63D2CD1-B492-47AB-9D99-CD95FFF99155}"/>
               </a:ext>
             </a:extLst>
           </p:cNvPr>
@@ -3020,7 +3039,8 @@
           <a:p>
             <a:fld id="{B3FA61BD-3E18-46C9-9DB7-529E79145266}" type="datetime1">
               <a:rPr lang="en-IN" smtClean="0"/>
-              <a:t>27-09-2023</a:t>
+              <a:pPr/>
+              <a:t>05-10-2023</a:t>
             </a:fld>
             <a:endParaRPr lang="en-IN"/>
           </a:p>
@@ -3031,7 +3051,7 @@
           <p:cNvPr id="6" name="Footer Placeholder 5">
             <a:extLst>
               <a:ext uri="{FF2B5EF4-FFF2-40B4-BE49-F238E27FC236}">
-                <a16:creationId xmlns:a16="http://schemas.microsoft.com/office/drawing/2014/main" id="{0F4FF7B3-F05D-4920-AFE8-58DCC9E68826}"/>
+                <a16:creationId xmlns:a16="http://schemas.microsoft.com/office/drawing/2014/main" xmlns="" id="{0F4FF7B3-F05D-4920-AFE8-58DCC9E68826}"/>
               </a:ext>
             </a:extLst>
           </p:cNvPr>
@@ -3056,7 +3076,7 @@
           <p:cNvPr id="7" name="Slide Number Placeholder 6">
             <a:extLst>
               <a:ext uri="{FF2B5EF4-FFF2-40B4-BE49-F238E27FC236}">
-                <a16:creationId xmlns:a16="http://schemas.microsoft.com/office/drawing/2014/main" id="{DD2D0105-4702-4A1B-9D9B-09C38887CE2C}"/>
+                <a16:creationId xmlns:a16="http://schemas.microsoft.com/office/drawing/2014/main" xmlns="" id="{DD2D0105-4702-4A1B-9D9B-09C38887CE2C}"/>
               </a:ext>
             </a:extLst>
           </p:cNvPr>
@@ -3074,6 +3094,7 @@
           <a:p>
             <a:fld id="{7798F18D-A7FB-41B0-99A7-08637791FA9E}" type="slidenum">
               <a:rPr lang="en-IN" smtClean="0"/>
+              <a:pPr/>
               <a:t>‹#›</a:t>
             </a:fld>
             <a:endParaRPr lang="en-IN"/>
@@ -3083,7 +3104,7 @@
     </p:spTree>
     <p:extLst>
       <p:ext uri="{BB962C8B-B14F-4D97-AF65-F5344CB8AC3E}">
-        <p14:creationId xmlns:p14="http://schemas.microsoft.com/office/powerpoint/2010/main" val="435348386"/>
+        <p14:creationId xmlns:p14="http://schemas.microsoft.com/office/powerpoint/2010/main" xmlns="" val="435348386"/>
       </p:ext>
     </p:extLst>
   </p:cSld>
@@ -3115,7 +3136,7 @@
           <p:cNvPr id="2" name="Title 1">
             <a:extLst>
               <a:ext uri="{FF2B5EF4-FFF2-40B4-BE49-F238E27FC236}">
-                <a16:creationId xmlns:a16="http://schemas.microsoft.com/office/drawing/2014/main" id="{927A4907-31DD-476B-8406-A38385A6E54F}"/>
+                <a16:creationId xmlns:a16="http://schemas.microsoft.com/office/drawing/2014/main" xmlns="" id="{927A4907-31DD-476B-8406-A38385A6E54F}"/>
               </a:ext>
             </a:extLst>
           </p:cNvPr>
@@ -3153,7 +3174,7 @@
           <p:cNvPr id="3" name="Picture Placeholder 2">
             <a:extLst>
               <a:ext uri="{FF2B5EF4-FFF2-40B4-BE49-F238E27FC236}">
-                <a16:creationId xmlns:a16="http://schemas.microsoft.com/office/drawing/2014/main" id="{2E442C09-ACB9-4907-80BC-9F0875B41DBC}"/>
+                <a16:creationId xmlns:a16="http://schemas.microsoft.com/office/drawing/2014/main" xmlns="" id="{2E442C09-ACB9-4907-80BC-9F0875B41DBC}"/>
               </a:ext>
             </a:extLst>
           </p:cNvPr>
@@ -3220,7 +3241,7 @@
           <p:cNvPr id="4" name="Text Placeholder 3">
             <a:extLst>
               <a:ext uri="{FF2B5EF4-FFF2-40B4-BE49-F238E27FC236}">
-                <a16:creationId xmlns:a16="http://schemas.microsoft.com/office/drawing/2014/main" id="{795D0F81-39A4-457B-9EB0-C521DC2202ED}"/>
+                <a16:creationId xmlns:a16="http://schemas.microsoft.com/office/drawing/2014/main" xmlns="" id="{795D0F81-39A4-457B-9EB0-C521DC2202ED}"/>
               </a:ext>
             </a:extLst>
           </p:cNvPr>
@@ -3291,7 +3312,7 @@
           <p:cNvPr id="5" name="Date Placeholder 4">
             <a:extLst>
               <a:ext uri="{FF2B5EF4-FFF2-40B4-BE49-F238E27FC236}">
-                <a16:creationId xmlns:a16="http://schemas.microsoft.com/office/drawing/2014/main" id="{AED19C7D-DD5E-4F51-9073-23197EF416F3}"/>
+                <a16:creationId xmlns:a16="http://schemas.microsoft.com/office/drawing/2014/main" xmlns="" id="{AED19C7D-DD5E-4F51-9073-23197EF416F3}"/>
               </a:ext>
             </a:extLst>
           </p:cNvPr>
@@ -3309,7 +3330,8 @@
           <a:p>
             <a:fld id="{F4F3B556-C33D-46C1-BDD7-58009BBF0557}" type="datetime1">
               <a:rPr lang="en-IN" smtClean="0"/>
-              <a:t>27-09-2023</a:t>
+              <a:pPr/>
+              <a:t>05-10-2023</a:t>
             </a:fld>
             <a:endParaRPr lang="en-IN"/>
           </a:p>
@@ -3320,7 +3342,7 @@
           <p:cNvPr id="6" name="Footer Placeholder 5">
             <a:extLst>
               <a:ext uri="{FF2B5EF4-FFF2-40B4-BE49-F238E27FC236}">
-                <a16:creationId xmlns:a16="http://schemas.microsoft.com/office/drawing/2014/main" id="{9E6A7E48-4310-4D7D-85CE-F1A6D57EFBC0}"/>
+                <a16:creationId xmlns:a16="http://schemas.microsoft.com/office/drawing/2014/main" xmlns="" id="{9E6A7E48-4310-4D7D-85CE-F1A6D57EFBC0}"/>
               </a:ext>
             </a:extLst>
           </p:cNvPr>
@@ -3345,7 +3367,7 @@
           <p:cNvPr id="7" name="Slide Number Placeholder 6">
             <a:extLst>
               <a:ext uri="{FF2B5EF4-FFF2-40B4-BE49-F238E27FC236}">
-                <a16:creationId xmlns:a16="http://schemas.microsoft.com/office/drawing/2014/main" id="{0DC0EE66-9EC5-42F6-A338-B8D6E7391E7B}"/>
+                <a16:creationId xmlns:a16="http://schemas.microsoft.com/office/drawing/2014/main" xmlns="" id="{0DC0EE66-9EC5-42F6-A338-B8D6E7391E7B}"/>
               </a:ext>
             </a:extLst>
           </p:cNvPr>
@@ -3363,6 +3385,7 @@
           <a:p>
             <a:fld id="{7798F18D-A7FB-41B0-99A7-08637791FA9E}" type="slidenum">
               <a:rPr lang="en-IN" smtClean="0"/>
+              <a:pPr/>
               <a:t>‹#›</a:t>
             </a:fld>
             <a:endParaRPr lang="en-IN"/>
@@ -3372,7 +3395,7 @@
     </p:spTree>
     <p:extLst>
       <p:ext uri="{BB962C8B-B14F-4D97-AF65-F5344CB8AC3E}">
-        <p14:creationId xmlns:p14="http://schemas.microsoft.com/office/powerpoint/2010/main" val="1388553512"/>
+        <p14:creationId xmlns:p14="http://schemas.microsoft.com/office/powerpoint/2010/main" xmlns="" val="1388553512"/>
       </p:ext>
     </p:extLst>
   </p:cSld>
@@ -3409,7 +3432,7 @@
           <p:cNvPr id="2" name="Title Placeholder 1">
             <a:extLst>
               <a:ext uri="{FF2B5EF4-FFF2-40B4-BE49-F238E27FC236}">
-                <a16:creationId xmlns:a16="http://schemas.microsoft.com/office/drawing/2014/main" id="{3274C5E8-60AC-484A-A363-F9C427CBE918}"/>
+                <a16:creationId xmlns:a16="http://schemas.microsoft.com/office/drawing/2014/main" xmlns="" id="{3274C5E8-60AC-484A-A363-F9C427CBE918}"/>
               </a:ext>
             </a:extLst>
           </p:cNvPr>
@@ -3448,7 +3471,7 @@
           <p:cNvPr id="3" name="Text Placeholder 2">
             <a:extLst>
               <a:ext uri="{FF2B5EF4-FFF2-40B4-BE49-F238E27FC236}">
-                <a16:creationId xmlns:a16="http://schemas.microsoft.com/office/drawing/2014/main" id="{F2AC17B8-3494-4161-BFFA-C272B54D52E2}"/>
+                <a16:creationId xmlns:a16="http://schemas.microsoft.com/office/drawing/2014/main" xmlns="" id="{F2AC17B8-3494-4161-BFFA-C272B54D52E2}"/>
               </a:ext>
             </a:extLst>
           </p:cNvPr>
@@ -3516,7 +3539,7 @@
           <p:cNvPr id="4" name="Date Placeholder 3">
             <a:extLst>
               <a:ext uri="{FF2B5EF4-FFF2-40B4-BE49-F238E27FC236}">
-                <a16:creationId xmlns:a16="http://schemas.microsoft.com/office/drawing/2014/main" id="{55BB2EC2-83AB-48D5-AE27-5A131169AB34}"/>
+                <a16:creationId xmlns:a16="http://schemas.microsoft.com/office/drawing/2014/main" xmlns="" id="{55BB2EC2-83AB-48D5-AE27-5A131169AB34}"/>
               </a:ext>
             </a:extLst>
           </p:cNvPr>
@@ -3552,7 +3575,8 @@
           <a:p>
             <a:fld id="{361FA373-8FE0-4558-933F-AC912509719B}" type="datetime1">
               <a:rPr lang="en-IN" smtClean="0"/>
-              <a:t>27-09-2023</a:t>
+              <a:pPr/>
+              <a:t>05-10-2023</a:t>
             </a:fld>
             <a:endParaRPr lang="en-IN"/>
           </a:p>
@@ -3563,7 +3587,7 @@
           <p:cNvPr id="5" name="Footer Placeholder 4">
             <a:extLst>
               <a:ext uri="{FF2B5EF4-FFF2-40B4-BE49-F238E27FC236}">
-                <a16:creationId xmlns:a16="http://schemas.microsoft.com/office/drawing/2014/main" id="{5E6A8BF5-BDE2-4031-BC97-72CBD1AF1E8A}"/>
+                <a16:creationId xmlns:a16="http://schemas.microsoft.com/office/drawing/2014/main" xmlns="" id="{5E6A8BF5-BDE2-4031-BC97-72CBD1AF1E8A}"/>
               </a:ext>
             </a:extLst>
           </p:cNvPr>
@@ -3606,7 +3630,7 @@
           <p:cNvPr id="6" name="Slide Number Placeholder 5">
             <a:extLst>
               <a:ext uri="{FF2B5EF4-FFF2-40B4-BE49-F238E27FC236}">
-                <a16:creationId xmlns:a16="http://schemas.microsoft.com/office/drawing/2014/main" id="{1D1C3D5A-7CB8-44BC-B132-B1F47A86E0D9}"/>
+                <a16:creationId xmlns:a16="http://schemas.microsoft.com/office/drawing/2014/main" xmlns="" id="{1D1C3D5A-7CB8-44BC-B132-B1F47A86E0D9}"/>
               </a:ext>
             </a:extLst>
           </p:cNvPr>
@@ -3642,6 +3666,7 @@
           <a:p>
             <a:fld id="{7798F18D-A7FB-41B0-99A7-08637791FA9E}" type="slidenum">
               <a:rPr lang="en-IN" smtClean="0"/>
+              <a:pPr/>
               <a:t>‹#›</a:t>
             </a:fld>
             <a:endParaRPr lang="en-IN"/>
@@ -3651,7 +3676,7 @@
     </p:spTree>
     <p:extLst>
       <p:ext uri="{BB962C8B-B14F-4D97-AF65-F5344CB8AC3E}">
-        <p14:creationId xmlns:p14="http://schemas.microsoft.com/office/powerpoint/2010/main" val="1013913940"/>
+        <p14:creationId xmlns:p14="http://schemas.microsoft.com/office/powerpoint/2010/main" xmlns="" val="1013913940"/>
       </p:ext>
     </p:extLst>
   </p:cSld>
@@ -3975,7 +4000,7 @@
           <p:cNvPr id="2" name="Title 1">
             <a:extLst>
               <a:ext uri="{FF2B5EF4-FFF2-40B4-BE49-F238E27FC236}">
-                <a16:creationId xmlns:a16="http://schemas.microsoft.com/office/drawing/2014/main" id="{22D1F478-5803-47B4-A086-DD56502D4F9D}"/>
+                <a16:creationId xmlns:a16="http://schemas.microsoft.com/office/drawing/2014/main" xmlns="" id="{22D1F478-5803-47B4-A086-DD56502D4F9D}"/>
               </a:ext>
             </a:extLst>
           </p:cNvPr>
@@ -4071,7 +4096,7 @@
           <p:cNvPr id="3" name="Subtitle 2">
             <a:extLst>
               <a:ext uri="{FF2B5EF4-FFF2-40B4-BE49-F238E27FC236}">
-                <a16:creationId xmlns:a16="http://schemas.microsoft.com/office/drawing/2014/main" id="{6AA4806C-B9FF-44F4-B476-5A89A56336CF}"/>
+                <a16:creationId xmlns:a16="http://schemas.microsoft.com/office/drawing/2014/main" xmlns="" id="{6AA4806C-B9FF-44F4-B476-5A89A56336CF}"/>
               </a:ext>
             </a:extLst>
           </p:cNvPr>
@@ -4109,7 +4134,7 @@
           </a:p>
           <a:p>
             <a:r>
-              <a:rPr lang="en-GB" dirty="0">
+              <a:rPr lang="en-GB" dirty="0" smtClean="0">
                 <a:effectLst>
                   <a:outerShdw blurRad="38100" dist="38100" dir="2700000" algn="tl">
                     <a:srgbClr val="000000">
@@ -4120,8 +4145,33 @@
                 <a:latin typeface="Cambria" panose="02040503050406030204" pitchFamily="18" charset="0"/>
                 <a:ea typeface="Cambria" panose="02040503050406030204" pitchFamily="18" charset="0"/>
               </a:rPr>
-              <a:t>G. Balasurya </a:t>
-            </a:r>
+              <a:t>M.R.ARTHI</a:t>
+            </a:r>
+            <a:r>
+              <a:rPr lang="en-GB" dirty="0" smtClean="0">
+                <a:effectLst>
+                  <a:outerShdw blurRad="38100" dist="38100" dir="2700000" algn="tl">
+                    <a:srgbClr val="000000">
+                      <a:alpha val="43137"/>
+                    </a:srgbClr>
+                  </a:outerShdw>
+                </a:effectLst>
+                <a:latin typeface="Cambria" panose="02040503050406030204" pitchFamily="18" charset="0"/>
+                <a:ea typeface="Cambria" panose="02040503050406030204" pitchFamily="18" charset="0"/>
+              </a:rPr>
+              <a:t> </a:t>
+            </a:r>
+            <a:endParaRPr lang="en-GB" dirty="0">
+              <a:effectLst>
+                <a:outerShdw blurRad="38100" dist="38100" dir="2700000" algn="tl">
+                  <a:srgbClr val="000000">
+                    <a:alpha val="43137"/>
+                  </a:srgbClr>
+                </a:outerShdw>
+              </a:effectLst>
+              <a:latin typeface="Cambria" panose="02040503050406030204" pitchFamily="18" charset="0"/>
+              <a:ea typeface="Cambria" panose="02040503050406030204" pitchFamily="18" charset="0"/>
+            </a:endParaRPr>
           </a:p>
           <a:p>
             <a:r>
@@ -4173,7 +4223,7 @@
           <p:cNvPr id="4" name="Slide Number Placeholder 3">
             <a:extLst>
               <a:ext uri="{FF2B5EF4-FFF2-40B4-BE49-F238E27FC236}">
-                <a16:creationId xmlns:a16="http://schemas.microsoft.com/office/drawing/2014/main" id="{C3529263-36E9-4AF0-97C9-4AFBDAEDBDEB}"/>
+                <a16:creationId xmlns:a16="http://schemas.microsoft.com/office/drawing/2014/main" xmlns="" id="{C3529263-36E9-4AF0-97C9-4AFBDAEDBDEB}"/>
               </a:ext>
             </a:extLst>
           </p:cNvPr>
@@ -4191,6 +4241,7 @@
           <a:p>
             <a:fld id="{7798F18D-A7FB-41B0-99A7-08637791FA9E}" type="slidenum">
               <a:rPr lang="en-IN" smtClean="0"/>
+              <a:pPr/>
               <a:t>1</a:t>
             </a:fld>
             <a:endParaRPr lang="en-IN"/>
@@ -4200,7 +4251,7 @@
     </p:spTree>
     <p:extLst>
       <p:ext uri="{BB962C8B-B14F-4D97-AF65-F5344CB8AC3E}">
-        <p14:creationId xmlns:p14="http://schemas.microsoft.com/office/powerpoint/2010/main" val="1717166470"/>
+        <p14:creationId xmlns:p14="http://schemas.microsoft.com/office/powerpoint/2010/main" xmlns="" val="1717166470"/>
       </p:ext>
     </p:extLst>
   </p:cSld>
@@ -4232,7 +4283,7 @@
           <p:cNvPr id="2" name="Title 1">
             <a:extLst>
               <a:ext uri="{FF2B5EF4-FFF2-40B4-BE49-F238E27FC236}">
-                <a16:creationId xmlns:a16="http://schemas.microsoft.com/office/drawing/2014/main" id="{9F13F2B3-F2A0-4A81-A85D-6E1EA210A965}"/>
+                <a16:creationId xmlns:a16="http://schemas.microsoft.com/office/drawing/2014/main" xmlns="" id="{9F13F2B3-F2A0-4A81-A85D-6E1EA210A965}"/>
               </a:ext>
             </a:extLst>
           </p:cNvPr>
@@ -4261,7 +4312,7 @@
           <p:cNvPr id="3" name="Content Placeholder 2">
             <a:extLst>
               <a:ext uri="{FF2B5EF4-FFF2-40B4-BE49-F238E27FC236}">
-                <a16:creationId xmlns:a16="http://schemas.microsoft.com/office/drawing/2014/main" id="{7FEA561B-1B93-4D03-B823-6526DE3873D8}"/>
+                <a16:creationId xmlns:a16="http://schemas.microsoft.com/office/drawing/2014/main" xmlns="" id="{7FEA561B-1B93-4D03-B823-6526DE3873D8}"/>
               </a:ext>
             </a:extLst>
           </p:cNvPr>
@@ -4313,7 +4364,7 @@
           <p:cNvPr id="5" name="Slide Number Placeholder 4">
             <a:extLst>
               <a:ext uri="{FF2B5EF4-FFF2-40B4-BE49-F238E27FC236}">
-                <a16:creationId xmlns:a16="http://schemas.microsoft.com/office/drawing/2014/main" id="{4C9CB551-F0AA-4056-A832-F482CAB99B7B}"/>
+                <a16:creationId xmlns:a16="http://schemas.microsoft.com/office/drawing/2014/main" xmlns="" id="{4C9CB551-F0AA-4056-A832-F482CAB99B7B}"/>
               </a:ext>
             </a:extLst>
           </p:cNvPr>
@@ -4341,7 +4392,7 @@
     </p:spTree>
     <p:extLst>
       <p:ext uri="{BB962C8B-B14F-4D97-AF65-F5344CB8AC3E}">
-        <p14:creationId xmlns:p14="http://schemas.microsoft.com/office/powerpoint/2010/main" val="2481011715"/>
+        <p14:creationId xmlns:p14="http://schemas.microsoft.com/office/powerpoint/2010/main" xmlns="" val="2481011715"/>
       </p:ext>
     </p:extLst>
   </p:cSld>
@@ -4373,7 +4424,7 @@
           <p:cNvPr id="2" name="Title 1">
             <a:extLst>
               <a:ext uri="{FF2B5EF4-FFF2-40B4-BE49-F238E27FC236}">
-                <a16:creationId xmlns:a16="http://schemas.microsoft.com/office/drawing/2014/main" id="{9F13F2B3-F2A0-4A81-A85D-6E1EA210A965}"/>
+                <a16:creationId xmlns:a16="http://schemas.microsoft.com/office/drawing/2014/main" xmlns="" id="{9F13F2B3-F2A0-4A81-A85D-6E1EA210A965}"/>
               </a:ext>
             </a:extLst>
           </p:cNvPr>
@@ -4402,7 +4453,7 @@
           <p:cNvPr id="3" name="Content Placeholder 2">
             <a:extLst>
               <a:ext uri="{FF2B5EF4-FFF2-40B4-BE49-F238E27FC236}">
-                <a16:creationId xmlns:a16="http://schemas.microsoft.com/office/drawing/2014/main" id="{7FEA561B-1B93-4D03-B823-6526DE3873D8}"/>
+                <a16:creationId xmlns:a16="http://schemas.microsoft.com/office/drawing/2014/main" xmlns="" id="{7FEA561B-1B93-4D03-B823-6526DE3873D8}"/>
               </a:ext>
             </a:extLst>
           </p:cNvPr>
@@ -4436,7 +4487,7 @@
           <p:cNvPr id="5" name="Slide Number Placeholder 4">
             <a:extLst>
               <a:ext uri="{FF2B5EF4-FFF2-40B4-BE49-F238E27FC236}">
-                <a16:creationId xmlns:a16="http://schemas.microsoft.com/office/drawing/2014/main" id="{4C9CB551-F0AA-4056-A832-F482CAB99B7B}"/>
+                <a16:creationId xmlns:a16="http://schemas.microsoft.com/office/drawing/2014/main" xmlns="" id="{4C9CB551-F0AA-4056-A832-F482CAB99B7B}"/>
               </a:ext>
             </a:extLst>
           </p:cNvPr>
@@ -4464,7 +4515,7 @@
     </p:spTree>
     <p:extLst>
       <p:ext uri="{BB962C8B-B14F-4D97-AF65-F5344CB8AC3E}">
-        <p14:creationId xmlns:p14="http://schemas.microsoft.com/office/powerpoint/2010/main" val="1050741117"/>
+        <p14:creationId xmlns:p14="http://schemas.microsoft.com/office/powerpoint/2010/main" xmlns="" val="1050741117"/>
       </p:ext>
     </p:extLst>
   </p:cSld>
@@ -4496,7 +4547,7 @@
           <p:cNvPr id="2" name="Title 1">
             <a:extLst>
               <a:ext uri="{FF2B5EF4-FFF2-40B4-BE49-F238E27FC236}">
-                <a16:creationId xmlns:a16="http://schemas.microsoft.com/office/drawing/2014/main" id="{6A725B1E-28BD-44D3-869C-CBCA7760C6C7}"/>
+                <a16:creationId xmlns:a16="http://schemas.microsoft.com/office/drawing/2014/main" xmlns="" id="{6A725B1E-28BD-44D3-869C-CBCA7760C6C7}"/>
               </a:ext>
             </a:extLst>
           </p:cNvPr>
@@ -4529,7 +4580,7 @@
           <p:cNvPr id="3" name="Content Placeholder 2">
             <a:extLst>
               <a:ext uri="{FF2B5EF4-FFF2-40B4-BE49-F238E27FC236}">
-                <a16:creationId xmlns:a16="http://schemas.microsoft.com/office/drawing/2014/main" id="{0EDF1C8B-A0CD-484F-A3E8-44B57C3923AE}"/>
+                <a16:creationId xmlns:a16="http://schemas.microsoft.com/office/drawing/2014/main" xmlns="" id="{0EDF1C8B-A0CD-484F-A3E8-44B57C3923AE}"/>
               </a:ext>
             </a:extLst>
           </p:cNvPr>
@@ -4574,7 +4625,7 @@
           <p:cNvPr id="4" name="Slide Number Placeholder 3">
             <a:extLst>
               <a:ext uri="{FF2B5EF4-FFF2-40B4-BE49-F238E27FC236}">
-                <a16:creationId xmlns:a16="http://schemas.microsoft.com/office/drawing/2014/main" id="{3A2ED86A-2CDD-4A7C-B312-EB520FE52DE1}"/>
+                <a16:creationId xmlns:a16="http://schemas.microsoft.com/office/drawing/2014/main" xmlns="" id="{3A2ED86A-2CDD-4A7C-B312-EB520FE52DE1}"/>
               </a:ext>
             </a:extLst>
           </p:cNvPr>
@@ -4602,7 +4653,7 @@
     </p:spTree>
     <p:extLst>
       <p:ext uri="{BB962C8B-B14F-4D97-AF65-F5344CB8AC3E}">
-        <p14:creationId xmlns:p14="http://schemas.microsoft.com/office/powerpoint/2010/main" val="70944203"/>
+        <p14:creationId xmlns:p14="http://schemas.microsoft.com/office/powerpoint/2010/main" xmlns="" val="70944203"/>
       </p:ext>
     </p:extLst>
   </p:cSld>
@@ -4634,7 +4685,7 @@
           <p:cNvPr id="2" name="Title 1">
             <a:extLst>
               <a:ext uri="{FF2B5EF4-FFF2-40B4-BE49-F238E27FC236}">
-                <a16:creationId xmlns:a16="http://schemas.microsoft.com/office/drawing/2014/main" id="{6021A3DB-4414-43F4-A95E-5025EA62B7C9}"/>
+                <a16:creationId xmlns:a16="http://schemas.microsoft.com/office/drawing/2014/main" xmlns="" id="{6021A3DB-4414-43F4-A95E-5025EA62B7C9}"/>
               </a:ext>
             </a:extLst>
           </p:cNvPr>
@@ -4662,7 +4713,7 @@
           <p:cNvPr id="3" name="Content Placeholder 2">
             <a:extLst>
               <a:ext uri="{FF2B5EF4-FFF2-40B4-BE49-F238E27FC236}">
-                <a16:creationId xmlns:a16="http://schemas.microsoft.com/office/drawing/2014/main" id="{8692D652-A91B-44B8-8ABE-72F7B23EC694}"/>
+                <a16:creationId xmlns:a16="http://schemas.microsoft.com/office/drawing/2014/main" xmlns="" id="{8692D652-A91B-44B8-8ABE-72F7B23EC694}"/>
               </a:ext>
             </a:extLst>
           </p:cNvPr>
@@ -4715,7 +4766,7 @@
           <p:cNvPr id="4" name="Slide Number Placeholder 3">
             <a:extLst>
               <a:ext uri="{FF2B5EF4-FFF2-40B4-BE49-F238E27FC236}">
-                <a16:creationId xmlns:a16="http://schemas.microsoft.com/office/drawing/2014/main" id="{F79CA755-BF17-4DDC-85D7-DDF7988C9787}"/>
+                <a16:creationId xmlns:a16="http://schemas.microsoft.com/office/drawing/2014/main" xmlns="" id="{F79CA755-BF17-4DDC-85D7-DDF7988C9787}"/>
               </a:ext>
             </a:extLst>
           </p:cNvPr>
@@ -4745,7 +4796,7 @@
           <p:cNvPr id="6" name="Picture 5">
             <a:extLst>
               <a:ext uri="{FF2B5EF4-FFF2-40B4-BE49-F238E27FC236}">
-                <a16:creationId xmlns:a16="http://schemas.microsoft.com/office/drawing/2014/main" id="{30486FBB-9235-4400-9DD5-805C892C6381}"/>
+                <a16:creationId xmlns:a16="http://schemas.microsoft.com/office/drawing/2014/main" xmlns="" id="{30486FBB-9235-4400-9DD5-805C892C6381}"/>
               </a:ext>
             </a:extLst>
           </p:cNvPr>
@@ -4758,7 +4809,7 @@
           <a:blip r:embed="rId2">
             <a:extLst>
               <a:ext uri="{28A0092B-C50C-407E-A947-70E740481C1C}">
-                <a14:useLocalDpi xmlns:a14="http://schemas.microsoft.com/office/drawing/2010/main" val="0"/>
+                <a14:useLocalDpi xmlns:a14="http://schemas.microsoft.com/office/drawing/2010/main" xmlns="" val="0"/>
               </a:ext>
             </a:extLst>
           </a:blip>
@@ -4779,7 +4830,7 @@
     </p:spTree>
     <p:extLst>
       <p:ext uri="{BB962C8B-B14F-4D97-AF65-F5344CB8AC3E}">
-        <p14:creationId xmlns:p14="http://schemas.microsoft.com/office/powerpoint/2010/main" val="3919964981"/>
+        <p14:creationId xmlns:p14="http://schemas.microsoft.com/office/powerpoint/2010/main" xmlns="" val="3919964981"/>
       </p:ext>
     </p:extLst>
   </p:cSld>
@@ -4811,7 +4862,7 @@
           <p:cNvPr id="2" name="Title 1">
             <a:extLst>
               <a:ext uri="{FF2B5EF4-FFF2-40B4-BE49-F238E27FC236}">
-                <a16:creationId xmlns:a16="http://schemas.microsoft.com/office/drawing/2014/main" id="{6021A3DB-4414-43F4-A95E-5025EA62B7C9}"/>
+                <a16:creationId xmlns:a16="http://schemas.microsoft.com/office/drawing/2014/main" xmlns="" id="{6021A3DB-4414-43F4-A95E-5025EA62B7C9}"/>
               </a:ext>
             </a:extLst>
           </p:cNvPr>
@@ -4839,7 +4890,7 @@
           <p:cNvPr id="3" name="Content Placeholder 2">
             <a:extLst>
               <a:ext uri="{FF2B5EF4-FFF2-40B4-BE49-F238E27FC236}">
-                <a16:creationId xmlns:a16="http://schemas.microsoft.com/office/drawing/2014/main" id="{8692D652-A91B-44B8-8ABE-72F7B23EC694}"/>
+                <a16:creationId xmlns:a16="http://schemas.microsoft.com/office/drawing/2014/main" xmlns="" id="{8692D652-A91B-44B8-8ABE-72F7B23EC694}"/>
               </a:ext>
             </a:extLst>
           </p:cNvPr>
@@ -4893,7 +4944,7 @@
           <p:cNvPr id="4" name="Slide Number Placeholder 3">
             <a:extLst>
               <a:ext uri="{FF2B5EF4-FFF2-40B4-BE49-F238E27FC236}">
-                <a16:creationId xmlns:a16="http://schemas.microsoft.com/office/drawing/2014/main" id="{F79CA755-BF17-4DDC-85D7-DDF7988C9787}"/>
+                <a16:creationId xmlns:a16="http://schemas.microsoft.com/office/drawing/2014/main" xmlns="" id="{F79CA755-BF17-4DDC-85D7-DDF7988C9787}"/>
               </a:ext>
             </a:extLst>
           </p:cNvPr>
@@ -4921,7 +4972,7 @@
     </p:spTree>
     <p:extLst>
       <p:ext uri="{BB962C8B-B14F-4D97-AF65-F5344CB8AC3E}">
-        <p14:creationId xmlns:p14="http://schemas.microsoft.com/office/powerpoint/2010/main" val="3870357958"/>
+        <p14:creationId xmlns:p14="http://schemas.microsoft.com/office/powerpoint/2010/main" xmlns="" val="3870357958"/>
       </p:ext>
     </p:extLst>
   </p:cSld>
@@ -4953,7 +5004,7 @@
           <p:cNvPr id="2" name="Title 1">
             <a:extLst>
               <a:ext uri="{FF2B5EF4-FFF2-40B4-BE49-F238E27FC236}">
-                <a16:creationId xmlns:a16="http://schemas.microsoft.com/office/drawing/2014/main" id="{6021A3DB-4414-43F4-A95E-5025EA62B7C9}"/>
+                <a16:creationId xmlns:a16="http://schemas.microsoft.com/office/drawing/2014/main" xmlns="" id="{6021A3DB-4414-43F4-A95E-5025EA62B7C9}"/>
               </a:ext>
             </a:extLst>
           </p:cNvPr>
@@ -4981,7 +5032,7 @@
           <p:cNvPr id="3" name="Content Placeholder 2">
             <a:extLst>
               <a:ext uri="{FF2B5EF4-FFF2-40B4-BE49-F238E27FC236}">
-                <a16:creationId xmlns:a16="http://schemas.microsoft.com/office/drawing/2014/main" id="{8692D652-A91B-44B8-8ABE-72F7B23EC694}"/>
+                <a16:creationId xmlns:a16="http://schemas.microsoft.com/office/drawing/2014/main" xmlns="" id="{8692D652-A91B-44B8-8ABE-72F7B23EC694}"/>
               </a:ext>
             </a:extLst>
           </p:cNvPr>
@@ -5027,7 +5078,7 @@
           <p:cNvPr id="4" name="Slide Number Placeholder 3">
             <a:extLst>
               <a:ext uri="{FF2B5EF4-FFF2-40B4-BE49-F238E27FC236}">
-                <a16:creationId xmlns:a16="http://schemas.microsoft.com/office/drawing/2014/main" id="{F79CA755-BF17-4DDC-85D7-DDF7988C9787}"/>
+                <a16:creationId xmlns:a16="http://schemas.microsoft.com/office/drawing/2014/main" xmlns="" id="{F79CA755-BF17-4DDC-85D7-DDF7988C9787}"/>
               </a:ext>
             </a:extLst>
           </p:cNvPr>
@@ -5055,7 +5106,7 @@
     </p:spTree>
     <p:extLst>
       <p:ext uri="{BB962C8B-B14F-4D97-AF65-F5344CB8AC3E}">
-        <p14:creationId xmlns:p14="http://schemas.microsoft.com/office/powerpoint/2010/main" val="2508819628"/>
+        <p14:creationId xmlns:p14="http://schemas.microsoft.com/office/powerpoint/2010/main" xmlns="" val="2508819628"/>
       </p:ext>
     </p:extLst>
   </p:cSld>
@@ -5087,7 +5138,7 @@
           <p:cNvPr id="2" name="Title 1">
             <a:extLst>
               <a:ext uri="{FF2B5EF4-FFF2-40B4-BE49-F238E27FC236}">
-                <a16:creationId xmlns:a16="http://schemas.microsoft.com/office/drawing/2014/main" id="{6021A3DB-4414-43F4-A95E-5025EA62B7C9}"/>
+                <a16:creationId xmlns:a16="http://schemas.microsoft.com/office/drawing/2014/main" xmlns="" id="{6021A3DB-4414-43F4-A95E-5025EA62B7C9}"/>
               </a:ext>
             </a:extLst>
           </p:cNvPr>
@@ -5115,7 +5166,7 @@
           <p:cNvPr id="3" name="Content Placeholder 2">
             <a:extLst>
               <a:ext uri="{FF2B5EF4-FFF2-40B4-BE49-F238E27FC236}">
-                <a16:creationId xmlns:a16="http://schemas.microsoft.com/office/drawing/2014/main" id="{8692D652-A91B-44B8-8ABE-72F7B23EC694}"/>
+                <a16:creationId xmlns:a16="http://schemas.microsoft.com/office/drawing/2014/main" xmlns="" id="{8692D652-A91B-44B8-8ABE-72F7B23EC694}"/>
               </a:ext>
             </a:extLst>
           </p:cNvPr>
@@ -5252,7 +5303,7 @@
           <p:cNvPr id="4" name="Slide Number Placeholder 3">
             <a:extLst>
               <a:ext uri="{FF2B5EF4-FFF2-40B4-BE49-F238E27FC236}">
-                <a16:creationId xmlns:a16="http://schemas.microsoft.com/office/drawing/2014/main" id="{F79CA755-BF17-4DDC-85D7-DDF7988C9787}"/>
+                <a16:creationId xmlns:a16="http://schemas.microsoft.com/office/drawing/2014/main" xmlns="" id="{F79CA755-BF17-4DDC-85D7-DDF7988C9787}"/>
               </a:ext>
             </a:extLst>
           </p:cNvPr>
@@ -5280,7 +5331,7 @@
     </p:spTree>
     <p:extLst>
       <p:ext uri="{BB962C8B-B14F-4D97-AF65-F5344CB8AC3E}">
-        <p14:creationId xmlns:p14="http://schemas.microsoft.com/office/powerpoint/2010/main" val="621468698"/>
+        <p14:creationId xmlns:p14="http://schemas.microsoft.com/office/powerpoint/2010/main" xmlns="" val="621468698"/>
       </p:ext>
     </p:extLst>
   </p:cSld>
@@ -5333,7 +5384,7 @@
     </a:clrScheme>
     <a:fontScheme name="Office">
       <a:majorFont>
-        <a:latin typeface="Calibri Light" panose="020F0302020204030204"/>
+        <a:latin typeface="Calibri Light"/>
         <a:ea typeface=""/>
         <a:cs typeface=""/>
         <a:font script="Jpan" typeface="游ゴシック Light"/>
@@ -5385,7 +5436,7 @@
         <a:font script="Tfng" typeface="Ebrima"/>
       </a:majorFont>
       <a:minorFont>
-        <a:latin typeface="Calibri" panose="020F0502020204030204"/>
+        <a:latin typeface="Calibri"/>
         <a:ea typeface=""/>
         <a:cs typeface=""/>
         <a:font script="Jpan" typeface="游ゴシック"/>
@@ -5579,7 +5630,7 @@
   <a:extraClrSchemeLst/>
   <a:extLst>
     <a:ext uri="{05A4C25C-085E-4340-85A3-A5531E510DB2}">
-      <thm15:themeFamily xmlns:thm15="http://schemas.microsoft.com/office/thememl/2012/main" name="Office Theme" id="{62F939B6-93AF-4DB8-9C6B-D6C7DFDC589F}" vid="{4A3C46E8-61CC-4603-A589-7422A47A8E4A}"/>
+      <thm15:themeFamily xmlns:thm15="http://schemas.microsoft.com/office/thememl/2012/main" xmlns="" name="Office Theme" id="{62F939B6-93AF-4DB8-9C6B-D6C7DFDC589F}" vid="{4A3C46E8-61CC-4603-A589-7422A47A8E4A}"/>
     </a:ext>
   </a:extLst>
 </a:theme>
@@ -5628,7 +5679,7 @@
     </a:clrScheme>
     <a:fontScheme name="Office">
       <a:majorFont>
-        <a:latin typeface="Calibri Light" panose="020F0302020204030204"/>
+        <a:latin typeface="Calibri Light"/>
         <a:ea typeface=""/>
         <a:cs typeface=""/>
         <a:font script="Jpan" typeface="游ゴシック Light"/>
@@ -5680,7 +5731,7 @@
         <a:font script="Tfng" typeface="Ebrima"/>
       </a:majorFont>
       <a:minorFont>
-        <a:latin typeface="Calibri" panose="020F0502020204030204"/>
+        <a:latin typeface="Calibri"/>
         <a:ea typeface=""/>
         <a:cs typeface=""/>
         <a:font script="Jpan" typeface="游ゴシック"/>
@@ -5874,7 +5925,7 @@
   <a:extraClrSchemeLst/>
   <a:extLst>
     <a:ext uri="{05A4C25C-085E-4340-85A3-A5531E510DB2}">
-      <thm15:themeFamily xmlns:thm15="http://schemas.microsoft.com/office/thememl/2012/main" name="Office Theme" id="{62F939B6-93AF-4DB8-9C6B-D6C7DFDC589F}" vid="{4A3C46E8-61CC-4603-A589-7422A47A8E4A}"/>
+      <thm15:themeFamily xmlns:thm15="http://schemas.microsoft.com/office/thememl/2012/main" xmlns="" name="Office Theme" id="{62F939B6-93AF-4DB8-9C6B-D6C7DFDC589F}" vid="{4A3C46E8-61CC-4603-A589-7422A47A8E4A}"/>
     </a:ext>
   </a:extLst>
 </a:theme>
